--- a/Final Presentation.pptx
+++ b/Final Presentation.pptx
@@ -6557,41 +6557,40 @@
           <a:lstStyle/>
           <a:p>
             <a:r>
-              <a:rPr lang="en-US" altLang="zh-CN" dirty="0"/>
-              <a:t>Makes it easier for employees to get useful resources and information without opening apps like yelp, yahoo weather or Google</a:t>
-            </a:r>
-          </a:p>
-          <a:p>
+              <a:rPr lang="en-US" altLang="zh-CN" dirty="0" smtClean="0"/>
+              <a:t>Common complaints from the onboarding process include scattered information and unclear knowledge of specific tasks after orientation</a:t>
+            </a:r>
+          </a:p>
+          <a:p>
+            <a:endParaRPr lang="en-US" altLang="zh-CN" dirty="0" smtClean="0"/>
+          </a:p>
+          <a:p>
+            <a:r>
+              <a:rPr lang="en-US" altLang="zh-CN" dirty="0" smtClean="0"/>
+              <a:t>Questions posed by new employees require contacting multiple sources for answers (i.e. help desk, HR)</a:t>
+            </a:r>
             <a:endParaRPr lang="en-US" altLang="zh-CN" dirty="0"/>
           </a:p>
           <a:p>
-            <a:r>
-              <a:rPr lang="en-US" altLang="zh-CN" dirty="0"/>
-              <a:t>It can also fetch information related to securities ticker.</a:t>
-            </a:r>
-          </a:p>
-          <a:p>
             <a:endParaRPr lang="en-US" altLang="zh-CN" dirty="0"/>
           </a:p>
           <a:p>
             <a:r>
-              <a:rPr lang="en-US" altLang="zh-CN" dirty="0"/>
-              <a:t>It can easily be incorporated into a BlackRock employees day to day life.</a:t>
-            </a:r>
-          </a:p>
-          <a:p>
-            <a:endParaRPr lang="en-US" altLang="zh-CN" dirty="0"/>
-          </a:p>
-          <a:p>
-            <a:r>
-              <a:rPr lang="en-US" altLang="zh-CN" dirty="0"/>
-              <a:t>To make the onboarding process seamless for a new employee</a:t>
-            </a:r>
-          </a:p>
-          <a:p>
-            <a:endParaRPr lang="en-US" altLang="zh-CN" dirty="0"/>
-          </a:p>
-          <a:p>
+              <a:rPr lang="en-US" altLang="zh-CN" dirty="0" smtClean="0"/>
+              <a:t>A </a:t>
+            </a:r>
+            <a:r>
+              <a:rPr lang="en-US" altLang="zh-CN" dirty="0" err="1" smtClean="0"/>
+              <a:t>chatbot</a:t>
+            </a:r>
+            <a:r>
+              <a:rPr lang="en-US" altLang="zh-CN" dirty="0" smtClean="0"/>
+              <a:t> can be </a:t>
+            </a:r>
+            <a:r>
+              <a:rPr lang="en-US" altLang="zh-CN" smtClean="0"/>
+              <a:t>easily integrated into Aladdin</a:t>
+            </a:r>
             <a:endParaRPr lang="en-US" altLang="zh-CN" dirty="0"/>
           </a:p>
           <a:p>

--- a/Final Presentation.pptx
+++ b/Final Presentation.pptx
@@ -6390,16 +6390,16 @@
             </a:pPr>
             <a:r>
               <a:rPr lang="en-US" altLang="zh-CN" dirty="0"/>
+              <a:t>Varun Agrawal</a:t>
+            </a:r>
+          </a:p>
+          <a:p>
+            <a:pPr marL="0" indent="0" algn="r">
+              <a:buNone/>
+            </a:pPr>
+            <a:r>
+              <a:rPr lang="en-US" altLang="zh-CN" dirty="0"/>
               <a:t>Jeffrey Ji</a:t>
-            </a:r>
-          </a:p>
-          <a:p>
-            <a:pPr marL="0" indent="0" algn="r">
-              <a:buNone/>
-            </a:pPr>
-            <a:r>
-              <a:rPr lang="en-US" altLang="zh-CN" dirty="0"/>
-              <a:t>Varun Agrawal</a:t>
             </a:r>
           </a:p>
           <a:p>
@@ -6557,38 +6557,37 @@
           <a:lstStyle/>
           <a:p>
             <a:r>
-              <a:rPr lang="en-US" altLang="zh-CN" dirty="0" smtClean="0"/>
+              <a:rPr lang="en-US" altLang="zh-CN" dirty="0"/>
               <a:t>Common complaints from the onboarding process include scattered information and unclear knowledge of specific tasks after orientation</a:t>
             </a:r>
           </a:p>
           <a:p>
-            <a:endParaRPr lang="en-US" altLang="zh-CN" dirty="0" smtClean="0"/>
-          </a:p>
-          <a:p>
-            <a:r>
-              <a:rPr lang="en-US" altLang="zh-CN" dirty="0" smtClean="0"/>
+            <a:endParaRPr lang="en-US" altLang="zh-CN" dirty="0"/>
+          </a:p>
+          <a:p>
+            <a:r>
+              <a:rPr lang="en-US" altLang="zh-CN" dirty="0"/>
               <a:t>Questions posed by new employees require contacting multiple sources for answers (i.e. help desk, HR)</a:t>
             </a:r>
+          </a:p>
+          <a:p>
             <a:endParaRPr lang="en-US" altLang="zh-CN" dirty="0"/>
           </a:p>
           <a:p>
-            <a:endParaRPr lang="en-US" altLang="zh-CN" dirty="0"/>
-          </a:p>
-          <a:p>
-            <a:r>
-              <a:rPr lang="en-US" altLang="zh-CN" dirty="0" smtClean="0"/>
+            <a:r>
+              <a:rPr lang="en-US" altLang="zh-CN" dirty="0"/>
               <a:t>A </a:t>
             </a:r>
             <a:r>
-              <a:rPr lang="en-US" altLang="zh-CN" dirty="0" err="1" smtClean="0"/>
+              <a:rPr lang="en-US" altLang="zh-CN" dirty="0" err="1"/>
               <a:t>chatbot</a:t>
             </a:r>
             <a:r>
-              <a:rPr lang="en-US" altLang="zh-CN" dirty="0" smtClean="0"/>
+              <a:rPr lang="en-US" altLang="zh-CN" dirty="0"/>
               <a:t> can be </a:t>
             </a:r>
             <a:r>
-              <a:rPr lang="en-US" altLang="zh-CN" smtClean="0"/>
+              <a:rPr lang="en-US" altLang="zh-CN"/>
               <a:t>easily integrated into Aladdin</a:t>
             </a:r>
             <a:endParaRPr lang="en-US" altLang="zh-CN" dirty="0"/>
@@ -6988,7 +6987,7 @@
           <a:p>
             <a:r>
               <a:rPr lang="en-US" altLang="zh-CN" dirty="0"/>
-              <a:t>Integration with different APIs to provide an overall experience.</a:t>
+              <a:t>Integrated with different APIs to provide an overall experience.</a:t>
             </a:r>
           </a:p>
           <a:p>
@@ -7524,6 +7523,33 @@
             <a:endParaRPr lang="en-US" altLang="zh-CN" dirty="0"/>
           </a:p>
           <a:p>
+            <a:r>
+              <a:rPr lang="en-US" altLang="zh-CN" dirty="0"/>
+              <a:t>Working in a team where people can have different opinions and navigating through it</a:t>
+            </a:r>
+          </a:p>
+          <a:p>
+            <a:endParaRPr lang="en-US" altLang="zh-CN" dirty="0"/>
+          </a:p>
+          <a:p>
+            <a:r>
+              <a:rPr lang="en-US" altLang="zh-CN" dirty="0"/>
+              <a:t>Work on some of the technologies that we have never used before</a:t>
+            </a:r>
+          </a:p>
+          <a:p>
+            <a:endParaRPr lang="en-US" altLang="zh-CN" dirty="0"/>
+          </a:p>
+          <a:p>
+            <a:r>
+              <a:rPr lang="en-US" altLang="zh-CN" dirty="0"/>
+              <a:t>Survived BlackRock’s 48 Hour Hackathon!</a:t>
+            </a:r>
+          </a:p>
+          <a:p>
+            <a:endParaRPr lang="en-US" altLang="zh-CN" dirty="0"/>
+          </a:p>
+          <a:p>
             <a:endParaRPr lang="zh-CN" altLang="en-US" dirty="0"/>
           </a:p>
         </p:txBody>
@@ -7666,7 +7692,7 @@
           <a:p>
             <a:r>
               <a:rPr lang="en-US" altLang="zh-CN" dirty="0"/>
-              <a:t>Google Maps API</a:t>
+              <a:t>Google Maps API, BlackRock API: securities, World Weather API</a:t>
             </a:r>
           </a:p>
           <a:p>
@@ -7682,7 +7708,22 @@
             <a:endParaRPr lang="en-US" altLang="zh-CN" dirty="0"/>
           </a:p>
           <a:p>
+            <a:r>
+              <a:rPr lang="en-US" altLang="zh-CN" dirty="0"/>
+              <a:t>Overcoming different challenges that we faced</a:t>
+            </a:r>
+          </a:p>
+          <a:p>
+            <a:pPr marL="0" indent="0">
+              <a:buNone/>
+            </a:pPr>
             <a:endParaRPr lang="en-US" altLang="zh-CN" dirty="0"/>
+          </a:p>
+          <a:p>
+            <a:r>
+              <a:rPr lang="en-US" altLang="zh-CN" dirty="0"/>
+              <a:t>Collaboration and efficient communication</a:t>
+            </a:r>
           </a:p>
           <a:p>
             <a:endParaRPr lang="en-US" altLang="zh-CN" dirty="0"/>
